--- a/src/main/webapp/browser_networking.pptx
+++ b/src/main/webapp/browser_networking.pptx
@@ -10,9 +10,14 @@
     <p:sldId id="258" r:id="rId4"/>
     <p:sldId id="260" r:id="rId5"/>
     <p:sldId id="262" r:id="rId6"/>
-    <p:sldId id="263" r:id="rId7"/>
-    <p:sldId id="259" r:id="rId8"/>
-    <p:sldId id="261" r:id="rId9"/>
+    <p:sldId id="264" r:id="rId7"/>
+    <p:sldId id="263" r:id="rId8"/>
+    <p:sldId id="265" r:id="rId9"/>
+    <p:sldId id="266" r:id="rId10"/>
+    <p:sldId id="267" r:id="rId11"/>
+    <p:sldId id="268" r:id="rId12"/>
+    <p:sldId id="259" r:id="rId13"/>
+    <p:sldId id="261" r:id="rId14"/>
   </p:sldIdLst>
   <p:sldSz cx="12192000" cy="6858000"/>
   <p:notesSz cx="6858000" cy="9144000"/>
@@ -250,7 +255,7 @@
           <a:p>
             <a:fld id="{055E1F38-50C8-4838-B4CA-DAFA676DE8CF}" type="datetimeFigureOut">
               <a:rPr lang="zh-CN" altLang="en-US" smtClean="0"/>
-              <a:t>2016/5/1</a:t>
+              <a:t>2016/5/8</a:t>
             </a:fld>
             <a:endParaRPr lang="zh-CN" altLang="en-US"/>
           </a:p>
@@ -420,7 +425,7 @@
           <a:p>
             <a:fld id="{055E1F38-50C8-4838-B4CA-DAFA676DE8CF}" type="datetimeFigureOut">
               <a:rPr lang="zh-CN" altLang="en-US" smtClean="0"/>
-              <a:t>2016/5/1</a:t>
+              <a:t>2016/5/8</a:t>
             </a:fld>
             <a:endParaRPr lang="zh-CN" altLang="en-US"/>
           </a:p>
@@ -600,7 +605,7 @@
           <a:p>
             <a:fld id="{055E1F38-50C8-4838-B4CA-DAFA676DE8CF}" type="datetimeFigureOut">
               <a:rPr lang="zh-CN" altLang="en-US" smtClean="0"/>
-              <a:t>2016/5/1</a:t>
+              <a:t>2016/5/8</a:t>
             </a:fld>
             <a:endParaRPr lang="zh-CN" altLang="en-US"/>
           </a:p>
@@ -770,7 +775,7 @@
           <a:p>
             <a:fld id="{055E1F38-50C8-4838-B4CA-DAFA676DE8CF}" type="datetimeFigureOut">
               <a:rPr lang="zh-CN" altLang="en-US" smtClean="0"/>
-              <a:t>2016/5/1</a:t>
+              <a:t>2016/5/8</a:t>
             </a:fld>
             <a:endParaRPr lang="zh-CN" altLang="en-US"/>
           </a:p>
@@ -1016,7 +1021,7 @@
           <a:p>
             <a:fld id="{055E1F38-50C8-4838-B4CA-DAFA676DE8CF}" type="datetimeFigureOut">
               <a:rPr lang="zh-CN" altLang="en-US" smtClean="0"/>
-              <a:t>2016/5/1</a:t>
+              <a:t>2016/5/8</a:t>
             </a:fld>
             <a:endParaRPr lang="zh-CN" altLang="en-US"/>
           </a:p>
@@ -1248,7 +1253,7 @@
           <a:p>
             <a:fld id="{055E1F38-50C8-4838-B4CA-DAFA676DE8CF}" type="datetimeFigureOut">
               <a:rPr lang="zh-CN" altLang="en-US" smtClean="0"/>
-              <a:t>2016/5/1</a:t>
+              <a:t>2016/5/8</a:t>
             </a:fld>
             <a:endParaRPr lang="zh-CN" altLang="en-US"/>
           </a:p>
@@ -1615,7 +1620,7 @@
           <a:p>
             <a:fld id="{055E1F38-50C8-4838-B4CA-DAFA676DE8CF}" type="datetimeFigureOut">
               <a:rPr lang="zh-CN" altLang="en-US" smtClean="0"/>
-              <a:t>2016/5/1</a:t>
+              <a:t>2016/5/8</a:t>
             </a:fld>
             <a:endParaRPr lang="zh-CN" altLang="en-US"/>
           </a:p>
@@ -1733,7 +1738,7 @@
           <a:p>
             <a:fld id="{055E1F38-50C8-4838-B4CA-DAFA676DE8CF}" type="datetimeFigureOut">
               <a:rPr lang="zh-CN" altLang="en-US" smtClean="0"/>
-              <a:t>2016/5/1</a:t>
+              <a:t>2016/5/8</a:t>
             </a:fld>
             <a:endParaRPr lang="zh-CN" altLang="en-US"/>
           </a:p>
@@ -1828,7 +1833,7 @@
           <a:p>
             <a:fld id="{055E1F38-50C8-4838-B4CA-DAFA676DE8CF}" type="datetimeFigureOut">
               <a:rPr lang="zh-CN" altLang="en-US" smtClean="0"/>
-              <a:t>2016/5/1</a:t>
+              <a:t>2016/5/8</a:t>
             </a:fld>
             <a:endParaRPr lang="zh-CN" altLang="en-US"/>
           </a:p>
@@ -2105,7 +2110,7 @@
           <a:p>
             <a:fld id="{055E1F38-50C8-4838-B4CA-DAFA676DE8CF}" type="datetimeFigureOut">
               <a:rPr lang="zh-CN" altLang="en-US" smtClean="0"/>
-              <a:t>2016/5/1</a:t>
+              <a:t>2016/5/8</a:t>
             </a:fld>
             <a:endParaRPr lang="zh-CN" altLang="en-US"/>
           </a:p>
@@ -2358,7 +2363,7 @@
           <a:p>
             <a:fld id="{055E1F38-50C8-4838-B4CA-DAFA676DE8CF}" type="datetimeFigureOut">
               <a:rPr lang="zh-CN" altLang="en-US" smtClean="0"/>
-              <a:t>2016/5/1</a:t>
+              <a:t>2016/5/8</a:t>
             </a:fld>
             <a:endParaRPr lang="zh-CN" altLang="en-US"/>
           </a:p>
@@ -2571,7 +2576,7 @@
           <a:p>
             <a:fld id="{055E1F38-50C8-4838-B4CA-DAFA676DE8CF}" type="datetimeFigureOut">
               <a:rPr lang="zh-CN" altLang="en-US" smtClean="0"/>
-              <a:t>2016/5/1</a:t>
+              <a:t>2016/5/8</a:t>
             </a:fld>
             <a:endParaRPr lang="zh-CN" altLang="en-US"/>
           </a:p>
@@ -3040,6 +3045,401 @@
 </p:sld>
 </file>
 
+<file path=ppt/slides/slide10.xml><?xml version="1.0" encoding="utf-8"?>
+<p:sld xmlns:a="http://schemas.openxmlformats.org/drawingml/2006/main" xmlns:r="http://schemas.openxmlformats.org/officeDocument/2006/relationships" xmlns:p="http://schemas.openxmlformats.org/presentationml/2006/main">
+  <p:cSld>
+    <p:spTree>
+      <p:nvGrpSpPr>
+        <p:cNvPr id="1" name=""/>
+        <p:cNvGrpSpPr/>
+        <p:nvPr/>
+      </p:nvGrpSpPr>
+      <p:grpSpPr>
+        <a:xfrm>
+          <a:off x="0" y="0"/>
+          <a:ext cx="0" cy="0"/>
+          <a:chOff x="0" y="0"/>
+          <a:chExt cx="0" cy="0"/>
+        </a:xfrm>
+      </p:grpSpPr>
+      <p:sp>
+        <p:nvSpPr>
+          <p:cNvPr id="2" name="标题 1"/>
+          <p:cNvSpPr>
+            <a:spLocks noGrp="1"/>
+          </p:cNvSpPr>
+          <p:nvPr>
+            <p:ph type="title"/>
+          </p:nvPr>
+        </p:nvSpPr>
+        <p:spPr>
+          <a:xfrm>
+            <a:off x="1050878" y="365126"/>
+            <a:ext cx="10302922" cy="713048"/>
+          </a:xfrm>
+        </p:spPr>
+        <p:txBody>
+          <a:bodyPr>
+            <a:normAutofit fontScale="90000"/>
+          </a:bodyPr>
+          <a:lstStyle/>
+          <a:p>
+            <a:r>
+              <a:rPr lang="en-US" altLang="zh-CN" i="1" dirty="0"/>
+              <a:t>Communication flow of XHR, SSE, and </a:t>
+            </a:r>
+            <a:r>
+              <a:rPr lang="en-US" altLang="zh-CN" i="1" dirty="0" err="1"/>
+              <a:t>WebSocket</a:t>
+            </a:r>
+            <a:endParaRPr lang="zh-CN" altLang="en-US" dirty="0"/>
+          </a:p>
+        </p:txBody>
+      </p:sp>
+      <p:pic>
+        <p:nvPicPr>
+          <p:cNvPr id="4" name="内容占位符 3"/>
+          <p:cNvPicPr>
+            <a:picLocks noGrp="1" noChangeAspect="1"/>
+          </p:cNvPicPr>
+          <p:nvPr>
+            <p:ph idx="1"/>
+          </p:nvPr>
+        </p:nvPicPr>
+        <p:blipFill>
+          <a:blip r:embed="rId2"/>
+          <a:stretch>
+            <a:fillRect/>
+          </a:stretch>
+        </p:blipFill>
+        <p:spPr>
+          <a:xfrm>
+            <a:off x="1589512" y="1214651"/>
+            <a:ext cx="8681113" cy="4962312"/>
+          </a:xfrm>
+          <a:prstGeom prst="rect">
+            <a:avLst/>
+          </a:prstGeom>
+        </p:spPr>
+      </p:pic>
+    </p:spTree>
+    <p:extLst>
+      <p:ext uri="{BB962C8B-B14F-4D97-AF65-F5344CB8AC3E}">
+        <p14:creationId xmlns:p14="http://schemas.microsoft.com/office/powerpoint/2010/main" val="1913623202"/>
+      </p:ext>
+    </p:extLst>
+  </p:cSld>
+  <p:clrMapOvr>
+    <a:masterClrMapping/>
+  </p:clrMapOvr>
+  <p:timing>
+    <p:tnLst>
+      <p:par>
+        <p:cTn id="1" dur="indefinite" restart="never" nodeType="tmRoot"/>
+      </p:par>
+    </p:tnLst>
+  </p:timing>
+</p:sld>
+</file>
+
+<file path=ppt/slides/slide11.xml><?xml version="1.0" encoding="utf-8"?>
+<p:sld xmlns:a="http://schemas.openxmlformats.org/drawingml/2006/main" xmlns:r="http://schemas.openxmlformats.org/officeDocument/2006/relationships" xmlns:p="http://schemas.openxmlformats.org/presentationml/2006/main">
+  <p:cSld>
+    <p:spTree>
+      <p:nvGrpSpPr>
+        <p:cNvPr id="1" name=""/>
+        <p:cNvGrpSpPr/>
+        <p:nvPr/>
+      </p:nvGrpSpPr>
+      <p:grpSpPr>
+        <a:xfrm>
+          <a:off x="0" y="0"/>
+          <a:ext cx="0" cy="0"/>
+          <a:chOff x="0" y="0"/>
+          <a:chExt cx="0" cy="0"/>
+        </a:xfrm>
+      </p:grpSpPr>
+      <p:sp>
+        <p:nvSpPr>
+          <p:cNvPr id="2" name="标题 1"/>
+          <p:cNvSpPr>
+            <a:spLocks noGrp="1"/>
+          </p:cNvSpPr>
+          <p:nvPr>
+            <p:ph type="title"/>
+          </p:nvPr>
+        </p:nvSpPr>
+        <p:spPr>
+          <a:xfrm>
+            <a:off x="838200" y="365125"/>
+            <a:ext cx="10515600" cy="1136129"/>
+          </a:xfrm>
+        </p:spPr>
+        <p:txBody>
+          <a:bodyPr/>
+          <a:lstStyle/>
+          <a:p>
+            <a:r>
+              <a:rPr lang="en-US" altLang="zh-CN" dirty="0" err="1" smtClean="0"/>
+              <a:t>WebRTC</a:t>
+            </a:r>
+            <a:endParaRPr lang="zh-CN" altLang="en-US" dirty="0"/>
+          </a:p>
+        </p:txBody>
+      </p:sp>
+      <p:sp>
+        <p:nvSpPr>
+          <p:cNvPr id="3" name="内容占位符 2"/>
+          <p:cNvSpPr>
+            <a:spLocks noGrp="1"/>
+          </p:cNvSpPr>
+          <p:nvPr>
+            <p:ph idx="1"/>
+          </p:nvPr>
+        </p:nvSpPr>
+        <p:spPr/>
+        <p:txBody>
+          <a:bodyPr/>
+          <a:lstStyle/>
+          <a:p>
+            <a:r>
+              <a:rPr lang="en-US" altLang="zh-CN" dirty="0"/>
+              <a:t>Web Real-Time Communication (</a:t>
+            </a:r>
+            <a:r>
+              <a:rPr lang="en-US" altLang="zh-CN" dirty="0" err="1"/>
+              <a:t>WebRTC</a:t>
+            </a:r>
+            <a:r>
+              <a:rPr lang="en-US" altLang="zh-CN" dirty="0"/>
+              <a:t>) is a collection of standards, protocols, </a:t>
+            </a:r>
+            <a:r>
+              <a:rPr lang="en-US" altLang="zh-CN" dirty="0" smtClean="0"/>
+              <a:t>and JavaScript </a:t>
+            </a:r>
+            <a:r>
+              <a:rPr lang="en-US" altLang="zh-CN" dirty="0"/>
+              <a:t>APIs, the combination of which enables peer-to-peer audio, video, and </a:t>
+            </a:r>
+            <a:r>
+              <a:rPr lang="en-US" altLang="zh-CN" dirty="0" smtClean="0"/>
+              <a:t>data sharing </a:t>
+            </a:r>
+            <a:r>
+              <a:rPr lang="en-US" altLang="zh-CN" dirty="0"/>
+              <a:t>between browsers (peers). Instead of relying on third-party plug-ins or </a:t>
+            </a:r>
+            <a:r>
+              <a:rPr lang="en-US" altLang="zh-CN" dirty="0" smtClean="0"/>
+              <a:t>proprietary software</a:t>
+            </a:r>
+            <a:r>
+              <a:rPr lang="en-US" altLang="zh-CN" dirty="0"/>
+              <a:t>, </a:t>
+            </a:r>
+            <a:r>
+              <a:rPr lang="en-US" altLang="zh-CN" dirty="0" err="1"/>
+              <a:t>WebRTC</a:t>
+            </a:r>
+            <a:r>
+              <a:rPr lang="en-US" altLang="zh-CN" dirty="0"/>
+              <a:t> turns real-time communication into a standard feature </a:t>
+            </a:r>
+            <a:r>
+              <a:rPr lang="en-US" altLang="zh-CN" dirty="0" smtClean="0"/>
+              <a:t>that many </a:t>
+            </a:r>
+            <a:r>
+              <a:rPr lang="en-US" altLang="zh-CN" dirty="0"/>
+              <a:t>web application can leverage via a simple JavaScript API.</a:t>
+            </a:r>
+            <a:endParaRPr lang="zh-CN" altLang="en-US" dirty="0"/>
+          </a:p>
+        </p:txBody>
+      </p:sp>
+    </p:spTree>
+    <p:extLst>
+      <p:ext uri="{BB962C8B-B14F-4D97-AF65-F5344CB8AC3E}">
+        <p14:creationId xmlns:p14="http://schemas.microsoft.com/office/powerpoint/2010/main" val="4090204631"/>
+      </p:ext>
+    </p:extLst>
+  </p:cSld>
+  <p:clrMapOvr>
+    <a:masterClrMapping/>
+  </p:clrMapOvr>
+  <p:timing>
+    <p:tnLst>
+      <p:par>
+        <p:cTn id="1" dur="indefinite" restart="never" nodeType="tmRoot"/>
+      </p:par>
+    </p:tnLst>
+  </p:timing>
+</p:sld>
+</file>
+
+<file path=ppt/slides/slide12.xml><?xml version="1.0" encoding="utf-8"?>
+<p:sld xmlns:a="http://schemas.openxmlformats.org/drawingml/2006/main" xmlns:r="http://schemas.openxmlformats.org/officeDocument/2006/relationships" xmlns:p="http://schemas.openxmlformats.org/presentationml/2006/main">
+  <p:cSld>
+    <p:spTree>
+      <p:nvGrpSpPr>
+        <p:cNvPr id="1" name=""/>
+        <p:cNvGrpSpPr/>
+        <p:nvPr/>
+      </p:nvGrpSpPr>
+      <p:grpSpPr>
+        <a:xfrm>
+          <a:off x="0" y="0"/>
+          <a:ext cx="0" cy="0"/>
+          <a:chOff x="0" y="0"/>
+          <a:chExt cx="0" cy="0"/>
+        </a:xfrm>
+      </p:grpSpPr>
+      <p:sp>
+        <p:nvSpPr>
+          <p:cNvPr id="2" name="标题 1"/>
+          <p:cNvSpPr>
+            <a:spLocks noGrp="1"/>
+          </p:cNvSpPr>
+          <p:nvPr>
+            <p:ph type="title"/>
+          </p:nvPr>
+        </p:nvSpPr>
+        <p:spPr/>
+        <p:txBody>
+          <a:bodyPr/>
+          <a:lstStyle/>
+          <a:p>
+            <a:r>
+              <a:rPr lang="en-US" altLang="zh-CN" dirty="0"/>
+              <a:t>Recommended Books</a:t>
+            </a:r>
+            <a:endParaRPr lang="zh-CN" altLang="en-US" dirty="0"/>
+          </a:p>
+        </p:txBody>
+      </p:sp>
+      <p:sp>
+        <p:nvSpPr>
+          <p:cNvPr id="3" name="内容占位符 2"/>
+          <p:cNvSpPr>
+            <a:spLocks noGrp="1"/>
+          </p:cNvSpPr>
+          <p:nvPr>
+            <p:ph idx="1"/>
+          </p:nvPr>
+        </p:nvSpPr>
+        <p:spPr/>
+        <p:txBody>
+          <a:bodyPr/>
+          <a:lstStyle/>
+          <a:p>
+            <a:r>
+              <a:rPr lang="en-US" altLang="zh-CN" dirty="0"/>
+              <a:t>High Performance Browser </a:t>
+            </a:r>
+            <a:r>
+              <a:rPr lang="en-US" altLang="zh-CN" dirty="0" smtClean="0"/>
+              <a:t>Networking(.pdf)</a:t>
+            </a:r>
+          </a:p>
+          <a:p>
+            <a:r>
+              <a:rPr lang="en-US" altLang="zh-CN" dirty="0" smtClean="0"/>
+              <a:t>The Tangled Web: A Guide to Securing Modern Web Applications</a:t>
+            </a:r>
+          </a:p>
+          <a:p>
+            <a:endParaRPr lang="zh-CN" altLang="en-US" dirty="0"/>
+          </a:p>
+        </p:txBody>
+      </p:sp>
+    </p:spTree>
+    <p:extLst>
+      <p:ext uri="{BB962C8B-B14F-4D97-AF65-F5344CB8AC3E}">
+        <p14:creationId xmlns:p14="http://schemas.microsoft.com/office/powerpoint/2010/main" val="2603652246"/>
+      </p:ext>
+    </p:extLst>
+  </p:cSld>
+  <p:clrMapOvr>
+    <a:masterClrMapping/>
+  </p:clrMapOvr>
+  <p:timing>
+    <p:tnLst>
+      <p:par>
+        <p:cTn id="1" dur="indefinite" restart="never" nodeType="tmRoot"/>
+      </p:par>
+    </p:tnLst>
+  </p:timing>
+</p:sld>
+</file>
+
+<file path=ppt/slides/slide13.xml><?xml version="1.0" encoding="utf-8"?>
+<p:sld xmlns:a="http://schemas.openxmlformats.org/drawingml/2006/main" xmlns:r="http://schemas.openxmlformats.org/officeDocument/2006/relationships" xmlns:p="http://schemas.openxmlformats.org/presentationml/2006/main">
+  <p:cSld>
+    <p:spTree>
+      <p:nvGrpSpPr>
+        <p:cNvPr id="1" name=""/>
+        <p:cNvGrpSpPr/>
+        <p:nvPr/>
+      </p:nvGrpSpPr>
+      <p:grpSpPr>
+        <a:xfrm>
+          <a:off x="0" y="0"/>
+          <a:ext cx="0" cy="0"/>
+          <a:chOff x="0" y="0"/>
+          <a:chExt cx="0" cy="0"/>
+        </a:xfrm>
+      </p:grpSpPr>
+      <p:pic>
+        <p:nvPicPr>
+          <p:cNvPr id="15" name="图片 14"/>
+          <p:cNvPicPr>
+            <a:picLocks noChangeAspect="1"/>
+          </p:cNvPicPr>
+          <p:nvPr/>
+        </p:nvPicPr>
+        <p:blipFill>
+          <a:blip r:embed="rId2">
+            <a:extLst>
+              <a:ext uri="{28A0092B-C50C-407E-A947-70E740481C1C}">
+                <a14:useLocalDpi xmlns:a14="http://schemas.microsoft.com/office/drawing/2010/main" val="0"/>
+              </a:ext>
+            </a:extLst>
+          </a:blip>
+          <a:stretch>
+            <a:fillRect/>
+          </a:stretch>
+        </p:blipFill>
+        <p:spPr>
+          <a:xfrm>
+            <a:off x="3657600" y="1600200"/>
+            <a:ext cx="4876800" cy="3657600"/>
+          </a:xfrm>
+          <a:prstGeom prst="rect">
+            <a:avLst/>
+          </a:prstGeom>
+        </p:spPr>
+      </p:pic>
+    </p:spTree>
+    <p:extLst>
+      <p:ext uri="{BB962C8B-B14F-4D97-AF65-F5344CB8AC3E}">
+        <p14:creationId xmlns:p14="http://schemas.microsoft.com/office/powerpoint/2010/main" val="2925820257"/>
+      </p:ext>
+    </p:extLst>
+  </p:cSld>
+  <p:clrMapOvr>
+    <a:masterClrMapping/>
+  </p:clrMapOvr>
+  <p:timing>
+    <p:tnLst>
+      <p:par>
+        <p:cTn id="1" dur="indefinite" restart="never" nodeType="tmRoot"/>
+      </p:par>
+    </p:tnLst>
+  </p:timing>
+</p:sld>
+</file>
+
 <file path=ppt/slides/slide2.xml><?xml version="1.0" encoding="utf-8"?>
 <p:sld xmlns:a="http://schemas.openxmlformats.org/drawingml/2006/main" xmlns:r="http://schemas.openxmlformats.org/officeDocument/2006/relationships" xmlns:p="http://schemas.openxmlformats.org/presentationml/2006/main">
   <p:cSld>
@@ -3340,7 +3740,6 @@
               <a:rPr lang="en-US" altLang="zh-CN" dirty="0"/>
               <a:t>is now a fundamental building block of nearly every modern web application</a:t>
             </a:r>
-            <a:endParaRPr lang="en-US" altLang="zh-CN" dirty="0"/>
           </a:p>
         </p:txBody>
       </p:sp>
@@ -3427,6 +3826,11 @@
               <a:rPr lang="en-US" altLang="zh-CN" dirty="0" smtClean="0"/>
               <a:t>Sharing</a:t>
             </a:r>
+            <a:r>
+              <a:rPr lang="en-US" altLang="zh-CN" dirty="0"/>
+              <a:t>(http://caniuse.com/#feat=cors)</a:t>
+            </a:r>
+            <a:endParaRPr lang="en-US" altLang="zh-CN" dirty="0" smtClean="0"/>
           </a:p>
           <a:p>
             <a:r>
@@ -3527,49 +3931,56 @@
             <p:ph type="title"/>
           </p:nvPr>
         </p:nvSpPr>
-        <p:spPr/>
-        <p:txBody>
-          <a:bodyPr/>
-          <a:lstStyle/>
-          <a:p>
-            <a:r>
-              <a:rPr lang="en-US" altLang="zh-CN" dirty="0" err="1" smtClean="0"/>
-              <a:t>EventSource</a:t>
-            </a:r>
-            <a:r>
-              <a:rPr lang="en-US" altLang="zh-CN" dirty="0"/>
-              <a:t/>
-            </a:r>
-            <a:br>
-              <a:rPr lang="en-US" altLang="zh-CN" dirty="0"/>
-            </a:br>
+        <p:spPr>
+          <a:xfrm>
+            <a:off x="996286" y="365126"/>
+            <a:ext cx="10357513" cy="617514"/>
+          </a:xfrm>
+        </p:spPr>
+        <p:txBody>
+          <a:bodyPr>
+            <a:normAutofit fontScale="90000"/>
+          </a:bodyPr>
+          <a:lstStyle/>
+          <a:p>
+            <a:r>
+              <a:rPr lang="en-US" altLang="zh-CN" i="1" dirty="0"/>
+              <a:t>Polling (left) vs. long-polling (right) latency</a:t>
+            </a:r>
             <a:endParaRPr lang="zh-CN" altLang="en-US" dirty="0"/>
           </a:p>
         </p:txBody>
       </p:sp>
-      <p:sp>
-        <p:nvSpPr>
-          <p:cNvPr id="3" name="内容占位符 2"/>
-          <p:cNvSpPr>
-            <a:spLocks noGrp="1"/>
-          </p:cNvSpPr>
+      <p:pic>
+        <p:nvPicPr>
+          <p:cNvPr id="4" name="内容占位符 3"/>
+          <p:cNvPicPr>
+            <a:picLocks noGrp="1" noChangeAspect="1"/>
+          </p:cNvPicPr>
           <p:nvPr>
             <p:ph idx="1"/>
           </p:nvPr>
-        </p:nvSpPr>
-        <p:spPr/>
-        <p:txBody>
-          <a:bodyPr/>
-          <a:lstStyle/>
-          <a:p>
-            <a:endParaRPr lang="zh-CN" altLang="en-US" dirty="0"/>
-          </a:p>
-        </p:txBody>
-      </p:sp>
+        </p:nvPicPr>
+        <p:blipFill>
+          <a:blip r:embed="rId2"/>
+          <a:stretch>
+            <a:fillRect/>
+          </a:stretch>
+        </p:blipFill>
+        <p:spPr>
+          <a:xfrm>
+            <a:off x="1479007" y="1269242"/>
+            <a:ext cx="8817208" cy="4784891"/>
+          </a:xfrm>
+          <a:prstGeom prst="rect">
+            <a:avLst/>
+          </a:prstGeom>
+        </p:spPr>
+      </p:pic>
     </p:spTree>
     <p:extLst>
       <p:ext uri="{BB962C8B-B14F-4D97-AF65-F5344CB8AC3E}">
-        <p14:creationId xmlns:p14="http://schemas.microsoft.com/office/powerpoint/2010/main" val="2043625269"/>
+        <p14:creationId xmlns:p14="http://schemas.microsoft.com/office/powerpoint/2010/main" val="279265970"/>
       </p:ext>
     </p:extLst>
   </p:cSld>
@@ -3619,9 +4030,16 @@
           <a:lstStyle/>
           <a:p>
             <a:r>
+              <a:rPr lang="en-US" altLang="zh-CN" dirty="0" err="1" smtClean="0"/>
+              <a:t>EventSource</a:t>
+            </a:r>
+            <a:r>
               <a:rPr lang="en-US" altLang="zh-CN" dirty="0"/>
-              <a:t>Recommended Books</a:t>
-            </a:r>
+              <a:t/>
+            </a:r>
+            <a:br>
+              <a:rPr lang="en-US" altLang="zh-CN" dirty="0"/>
+            </a:br>
             <a:endParaRPr lang="zh-CN" altLang="en-US" dirty="0"/>
           </a:p>
         </p:txBody>
@@ -3643,20 +4061,56 @@
           <a:p>
             <a:r>
               <a:rPr lang="en-US" altLang="zh-CN" dirty="0"/>
-              <a:t>High Performance Browser </a:t>
+              <a:t>Server-Sent Events enables efficient server-to-client streaming of text-based event </a:t>
             </a:r>
             <a:r>
               <a:rPr lang="en-US" altLang="zh-CN" dirty="0" smtClean="0"/>
-              <a:t>Networking(.pdf)</a:t>
-            </a:r>
-          </a:p>
-          <a:p>
+              <a:t>data—e.g</a:t>
+            </a:r>
+            <a:r>
+              <a:rPr lang="en-US" altLang="zh-CN" dirty="0"/>
+              <a:t>., real-time notifications or updates generated on the server. To meet this goal, </a:t>
+            </a:r>
             <a:r>
               <a:rPr lang="en-US" altLang="zh-CN" dirty="0" smtClean="0"/>
-              <a:t>The Tangled Web: A Guide to Securing Modern Web Applications</a:t>
-            </a:r>
-          </a:p>
-          <a:p>
+              <a:t>SSE</a:t>
+            </a:r>
+            <a:r>
+              <a:rPr lang="en-US" altLang="zh-CN" dirty="0"/>
+              <a:t> </a:t>
+            </a:r>
+            <a:r>
+              <a:rPr lang="en-US" altLang="zh-CN" dirty="0" smtClean="0"/>
+              <a:t>introduces </a:t>
+            </a:r>
+            <a:r>
+              <a:rPr lang="en-US" altLang="zh-CN" dirty="0"/>
+              <a:t>two components: a new </a:t>
+            </a:r>
+            <a:r>
+              <a:rPr lang="en-US" altLang="zh-CN" dirty="0" smtClean="0"/>
+              <a:t>Event Source </a:t>
+            </a:r>
+            <a:r>
+              <a:rPr lang="en-US" altLang="zh-CN" dirty="0"/>
+              <a:t>interface in the browser, which </a:t>
+            </a:r>
+            <a:r>
+              <a:rPr lang="en-US" altLang="zh-CN" dirty="0" smtClean="0"/>
+              <a:t>allows the </a:t>
+            </a:r>
+            <a:r>
+              <a:rPr lang="en-US" altLang="zh-CN" dirty="0"/>
+              <a:t>client to receive push notifications from the server as DOM events, and the “</a:t>
+            </a:r>
+            <a:r>
+              <a:rPr lang="en-US" altLang="zh-CN" dirty="0" smtClean="0"/>
+              <a:t>event stream</a:t>
+            </a:r>
+            <a:r>
+              <a:rPr lang="en-US" altLang="zh-CN" dirty="0"/>
+              <a:t>” data format, which is used to deliver the individual updates.</a:t>
+            </a:r>
             <a:endParaRPr lang="zh-CN" altLang="en-US" dirty="0"/>
           </a:p>
         </p:txBody>
@@ -3664,7 +4118,7 @@
     </p:spTree>
     <p:extLst>
       <p:ext uri="{BB962C8B-B14F-4D97-AF65-F5344CB8AC3E}">
-        <p14:creationId xmlns:p14="http://schemas.microsoft.com/office/powerpoint/2010/main" val="2603652246"/>
+        <p14:creationId xmlns:p14="http://schemas.microsoft.com/office/powerpoint/2010/main" val="2043625269"/>
       </p:ext>
     </p:extLst>
   </p:cSld>
@@ -3698,40 +4152,203 @@
           <a:chExt cx="0" cy="0"/>
         </a:xfrm>
       </p:grpSpPr>
-      <p:pic>
-        <p:nvPicPr>
-          <p:cNvPr id="15" name="图片 14"/>
-          <p:cNvPicPr>
-            <a:picLocks noChangeAspect="1"/>
-          </p:cNvPicPr>
-          <p:nvPr/>
-        </p:nvPicPr>
-        <p:blipFill>
-          <a:blip r:embed="rId2">
-            <a:extLst>
-              <a:ext uri="{28A0092B-C50C-407E-A947-70E740481C1C}">
-                <a14:useLocalDpi xmlns:a14="http://schemas.microsoft.com/office/drawing/2010/main" val="0"/>
-              </a:ext>
-            </a:extLst>
-          </a:blip>
-          <a:stretch>
-            <a:fillRect/>
-          </a:stretch>
-        </p:blipFill>
-        <p:spPr>
-          <a:xfrm>
-            <a:off x="3657600" y="1600200"/>
-            <a:ext cx="4876800" cy="3657600"/>
-          </a:xfrm>
-          <a:prstGeom prst="rect">
-            <a:avLst/>
-          </a:prstGeom>
-        </p:spPr>
-      </p:pic>
+      <p:sp>
+        <p:nvSpPr>
+          <p:cNvPr id="2" name="标题 1"/>
+          <p:cNvSpPr>
+            <a:spLocks noGrp="1"/>
+          </p:cNvSpPr>
+          <p:nvPr>
+            <p:ph type="title"/>
+          </p:nvPr>
+        </p:nvSpPr>
+        <p:spPr/>
+        <p:txBody>
+          <a:bodyPr/>
+          <a:lstStyle/>
+          <a:p>
+            <a:endParaRPr lang="zh-CN" altLang="en-US" dirty="0"/>
+          </a:p>
+        </p:txBody>
+      </p:sp>
+      <p:sp>
+        <p:nvSpPr>
+          <p:cNvPr id="3" name="内容占位符 2"/>
+          <p:cNvSpPr>
+            <a:spLocks noGrp="1"/>
+          </p:cNvSpPr>
+          <p:nvPr>
+            <p:ph idx="1"/>
+          </p:nvPr>
+        </p:nvSpPr>
+        <p:spPr/>
+        <p:txBody>
+          <a:bodyPr/>
+          <a:lstStyle/>
+          <a:p>
+            <a:r>
+              <a:rPr lang="en-US" altLang="zh-CN" dirty="0"/>
+              <a:t>Low latency delivery via a single, long-lived connection</a:t>
+            </a:r>
+          </a:p>
+          <a:p>
+            <a:r>
+              <a:rPr lang="en-US" altLang="zh-CN" dirty="0" smtClean="0"/>
+              <a:t>Efficient </a:t>
+            </a:r>
+            <a:r>
+              <a:rPr lang="en-US" altLang="zh-CN" dirty="0"/>
+              <a:t>browser message parsing with no unbounded buffers</a:t>
+            </a:r>
+          </a:p>
+          <a:p>
+            <a:r>
+              <a:rPr lang="en-US" altLang="zh-CN" dirty="0" smtClean="0"/>
+              <a:t>Automatic </a:t>
+            </a:r>
+            <a:r>
+              <a:rPr lang="en-US" altLang="zh-CN" dirty="0"/>
+              <a:t>tracking of last seen message and auto reconnect</a:t>
+            </a:r>
+          </a:p>
+          <a:p>
+            <a:r>
+              <a:rPr lang="fr-FR" altLang="zh-CN" dirty="0" smtClean="0"/>
+              <a:t>Client </a:t>
+            </a:r>
+            <a:r>
+              <a:rPr lang="fr-FR" altLang="zh-CN" dirty="0"/>
+              <a:t>message notifications as DOM events</a:t>
+            </a:r>
+            <a:endParaRPr lang="zh-CN" altLang="en-US" dirty="0"/>
+          </a:p>
+        </p:txBody>
+      </p:sp>
     </p:spTree>
     <p:extLst>
       <p:ext uri="{BB962C8B-B14F-4D97-AF65-F5344CB8AC3E}">
-        <p14:creationId xmlns:p14="http://schemas.microsoft.com/office/powerpoint/2010/main" val="2925820257"/>
+        <p14:creationId xmlns:p14="http://schemas.microsoft.com/office/powerpoint/2010/main" val="3573248585"/>
+      </p:ext>
+    </p:extLst>
+  </p:cSld>
+  <p:clrMapOvr>
+    <a:masterClrMapping/>
+  </p:clrMapOvr>
+  <p:timing>
+    <p:tnLst>
+      <p:par>
+        <p:cTn id="1" dur="indefinite" restart="never" nodeType="tmRoot"/>
+      </p:par>
+    </p:tnLst>
+  </p:timing>
+</p:sld>
+</file>
+
+<file path=ppt/slides/slide9.xml><?xml version="1.0" encoding="utf-8"?>
+<p:sld xmlns:a="http://schemas.openxmlformats.org/drawingml/2006/main" xmlns:r="http://schemas.openxmlformats.org/officeDocument/2006/relationships" xmlns:p="http://schemas.openxmlformats.org/presentationml/2006/main">
+  <p:cSld>
+    <p:spTree>
+      <p:nvGrpSpPr>
+        <p:cNvPr id="1" name=""/>
+        <p:cNvGrpSpPr/>
+        <p:nvPr/>
+      </p:nvGrpSpPr>
+      <p:grpSpPr>
+        <a:xfrm>
+          <a:off x="0" y="0"/>
+          <a:ext cx="0" cy="0"/>
+          <a:chOff x="0" y="0"/>
+          <a:chExt cx="0" cy="0"/>
+        </a:xfrm>
+      </p:grpSpPr>
+      <p:sp>
+        <p:nvSpPr>
+          <p:cNvPr id="2" name="标题 1"/>
+          <p:cNvSpPr>
+            <a:spLocks noGrp="1"/>
+          </p:cNvSpPr>
+          <p:nvPr>
+            <p:ph type="title"/>
+          </p:nvPr>
+        </p:nvSpPr>
+        <p:spPr/>
+        <p:txBody>
+          <a:bodyPr/>
+          <a:lstStyle/>
+          <a:p>
+            <a:r>
+              <a:rPr lang="en-US" altLang="zh-CN" dirty="0" err="1" smtClean="0"/>
+              <a:t>WebSocket</a:t>
+            </a:r>
+            <a:endParaRPr lang="zh-CN" altLang="en-US" dirty="0"/>
+          </a:p>
+        </p:txBody>
+      </p:sp>
+      <p:sp>
+        <p:nvSpPr>
+          <p:cNvPr id="3" name="内容占位符 2"/>
+          <p:cNvSpPr>
+            <a:spLocks noGrp="1"/>
+          </p:cNvSpPr>
+          <p:nvPr>
+            <p:ph idx="1"/>
+          </p:nvPr>
+        </p:nvSpPr>
+        <p:spPr/>
+        <p:txBody>
+          <a:bodyPr/>
+          <a:lstStyle/>
+          <a:p>
+            <a:r>
+              <a:rPr lang="en-US" altLang="zh-CN" dirty="0" smtClean="0"/>
+              <a:t>Connection </a:t>
+            </a:r>
+            <a:r>
+              <a:rPr lang="en-US" altLang="zh-CN" dirty="0"/>
+              <a:t>negotiation and same-origin policy enforcement</a:t>
+            </a:r>
+          </a:p>
+          <a:p>
+            <a:r>
+              <a:rPr lang="en-US" altLang="zh-CN" dirty="0" smtClean="0"/>
+              <a:t>Interoperability </a:t>
+            </a:r>
+            <a:r>
+              <a:rPr lang="en-US" altLang="zh-CN" dirty="0"/>
+              <a:t>with existing HTTP infrastructure</a:t>
+            </a:r>
+          </a:p>
+          <a:p>
+            <a:r>
+              <a:rPr lang="en-US" altLang="zh-CN" dirty="0" smtClean="0"/>
+              <a:t>Message-oriented </a:t>
+            </a:r>
+            <a:r>
+              <a:rPr lang="en-US" altLang="zh-CN" dirty="0"/>
+              <a:t>communication and efficient message framing</a:t>
+            </a:r>
+          </a:p>
+          <a:p>
+            <a:r>
+              <a:rPr lang="en-US" altLang="zh-CN" dirty="0" err="1" smtClean="0"/>
+              <a:t>Subprotocol</a:t>
+            </a:r>
+            <a:r>
+              <a:rPr lang="en-US" altLang="zh-CN" dirty="0" smtClean="0"/>
+              <a:t> </a:t>
+            </a:r>
+            <a:r>
+              <a:rPr lang="en-US" altLang="zh-CN" dirty="0"/>
+              <a:t>negotiation and extensibility</a:t>
+            </a:r>
+            <a:endParaRPr lang="zh-CN" altLang="en-US" dirty="0"/>
+          </a:p>
+        </p:txBody>
+      </p:sp>
+    </p:spTree>
+    <p:extLst>
+      <p:ext uri="{BB962C8B-B14F-4D97-AF65-F5344CB8AC3E}">
+        <p14:creationId xmlns:p14="http://schemas.microsoft.com/office/powerpoint/2010/main" val="310002976"/>
       </p:ext>
     </p:extLst>
   </p:cSld>

--- a/src/main/webapp/browser_networking.pptx
+++ b/src/main/webapp/browser_networking.pptx
@@ -15,9 +15,11 @@
     <p:sldId id="265" r:id="rId9"/>
     <p:sldId id="266" r:id="rId10"/>
     <p:sldId id="267" r:id="rId11"/>
-    <p:sldId id="268" r:id="rId12"/>
-    <p:sldId id="259" r:id="rId13"/>
-    <p:sldId id="261" r:id="rId14"/>
+    <p:sldId id="269" r:id="rId12"/>
+    <p:sldId id="270" r:id="rId13"/>
+    <p:sldId id="268" r:id="rId14"/>
+    <p:sldId id="259" r:id="rId15"/>
+    <p:sldId id="261" r:id="rId16"/>
   </p:sldIdLst>
   <p:sldSz cx="12192000" cy="6858000"/>
   <p:notesSz cx="6858000" cy="9144000"/>
@@ -255,7 +257,7 @@
           <a:p>
             <a:fld id="{055E1F38-50C8-4838-B4CA-DAFA676DE8CF}" type="datetimeFigureOut">
               <a:rPr lang="zh-CN" altLang="en-US" smtClean="0"/>
-              <a:t>2016/5/8</a:t>
+              <a:t>2016/5/11</a:t>
             </a:fld>
             <a:endParaRPr lang="zh-CN" altLang="en-US"/>
           </a:p>
@@ -425,7 +427,7 @@
           <a:p>
             <a:fld id="{055E1F38-50C8-4838-B4CA-DAFA676DE8CF}" type="datetimeFigureOut">
               <a:rPr lang="zh-CN" altLang="en-US" smtClean="0"/>
-              <a:t>2016/5/8</a:t>
+              <a:t>2016/5/11</a:t>
             </a:fld>
             <a:endParaRPr lang="zh-CN" altLang="en-US"/>
           </a:p>
@@ -605,7 +607,7 @@
           <a:p>
             <a:fld id="{055E1F38-50C8-4838-B4CA-DAFA676DE8CF}" type="datetimeFigureOut">
               <a:rPr lang="zh-CN" altLang="en-US" smtClean="0"/>
-              <a:t>2016/5/8</a:t>
+              <a:t>2016/5/11</a:t>
             </a:fld>
             <a:endParaRPr lang="zh-CN" altLang="en-US"/>
           </a:p>
@@ -775,7 +777,7 @@
           <a:p>
             <a:fld id="{055E1F38-50C8-4838-B4CA-DAFA676DE8CF}" type="datetimeFigureOut">
               <a:rPr lang="zh-CN" altLang="en-US" smtClean="0"/>
-              <a:t>2016/5/8</a:t>
+              <a:t>2016/5/11</a:t>
             </a:fld>
             <a:endParaRPr lang="zh-CN" altLang="en-US"/>
           </a:p>
@@ -1021,7 +1023,7 @@
           <a:p>
             <a:fld id="{055E1F38-50C8-4838-B4CA-DAFA676DE8CF}" type="datetimeFigureOut">
               <a:rPr lang="zh-CN" altLang="en-US" smtClean="0"/>
-              <a:t>2016/5/8</a:t>
+              <a:t>2016/5/11</a:t>
             </a:fld>
             <a:endParaRPr lang="zh-CN" altLang="en-US"/>
           </a:p>
@@ -1253,7 +1255,7 @@
           <a:p>
             <a:fld id="{055E1F38-50C8-4838-B4CA-DAFA676DE8CF}" type="datetimeFigureOut">
               <a:rPr lang="zh-CN" altLang="en-US" smtClean="0"/>
-              <a:t>2016/5/8</a:t>
+              <a:t>2016/5/11</a:t>
             </a:fld>
             <a:endParaRPr lang="zh-CN" altLang="en-US"/>
           </a:p>
@@ -1620,7 +1622,7 @@
           <a:p>
             <a:fld id="{055E1F38-50C8-4838-B4CA-DAFA676DE8CF}" type="datetimeFigureOut">
               <a:rPr lang="zh-CN" altLang="en-US" smtClean="0"/>
-              <a:t>2016/5/8</a:t>
+              <a:t>2016/5/11</a:t>
             </a:fld>
             <a:endParaRPr lang="zh-CN" altLang="en-US"/>
           </a:p>
@@ -1738,7 +1740,7 @@
           <a:p>
             <a:fld id="{055E1F38-50C8-4838-B4CA-DAFA676DE8CF}" type="datetimeFigureOut">
               <a:rPr lang="zh-CN" altLang="en-US" smtClean="0"/>
-              <a:t>2016/5/8</a:t>
+              <a:t>2016/5/11</a:t>
             </a:fld>
             <a:endParaRPr lang="zh-CN" altLang="en-US"/>
           </a:p>
@@ -1833,7 +1835,7 @@
           <a:p>
             <a:fld id="{055E1F38-50C8-4838-B4CA-DAFA676DE8CF}" type="datetimeFigureOut">
               <a:rPr lang="zh-CN" altLang="en-US" smtClean="0"/>
-              <a:t>2016/5/8</a:t>
+              <a:t>2016/5/11</a:t>
             </a:fld>
             <a:endParaRPr lang="zh-CN" altLang="en-US"/>
           </a:p>
@@ -2110,7 +2112,7 @@
           <a:p>
             <a:fld id="{055E1F38-50C8-4838-B4CA-DAFA676DE8CF}" type="datetimeFigureOut">
               <a:rPr lang="zh-CN" altLang="en-US" smtClean="0"/>
-              <a:t>2016/5/8</a:t>
+              <a:t>2016/5/11</a:t>
             </a:fld>
             <a:endParaRPr lang="zh-CN" altLang="en-US"/>
           </a:p>
@@ -2363,7 +2365,7 @@
           <a:p>
             <a:fld id="{055E1F38-50C8-4838-B4CA-DAFA676DE8CF}" type="datetimeFigureOut">
               <a:rPr lang="zh-CN" altLang="en-US" smtClean="0"/>
-              <a:t>2016/5/8</a:t>
+              <a:t>2016/5/11</a:t>
             </a:fld>
             <a:endParaRPr lang="zh-CN" altLang="en-US"/>
           </a:p>
@@ -2576,7 +2578,7 @@
           <a:p>
             <a:fld id="{055E1F38-50C8-4838-B4CA-DAFA676DE8CF}" type="datetimeFigureOut">
               <a:rPr lang="zh-CN" altLang="en-US" smtClean="0"/>
-              <a:t>2016/5/8</a:t>
+              <a:t>2016/5/11</a:t>
             </a:fld>
             <a:endParaRPr lang="zh-CN" altLang="en-US"/>
           </a:p>
@@ -3169,6 +3171,256 @@
             <p:ph type="title"/>
           </p:nvPr>
         </p:nvSpPr>
+        <p:spPr/>
+        <p:txBody>
+          <a:bodyPr/>
+          <a:lstStyle/>
+          <a:p>
+            <a:endParaRPr lang="zh-CN" altLang="en-US"/>
+          </a:p>
+        </p:txBody>
+      </p:sp>
+      <p:sp>
+        <p:nvSpPr>
+          <p:cNvPr id="3" name="内容占位符 2"/>
+          <p:cNvSpPr>
+            <a:spLocks noGrp="1"/>
+          </p:cNvSpPr>
+          <p:nvPr>
+            <p:ph idx="1"/>
+          </p:nvPr>
+        </p:nvSpPr>
+        <p:spPr/>
+        <p:txBody>
+          <a:bodyPr>
+            <a:normAutofit/>
+          </a:bodyPr>
+          <a:lstStyle/>
+          <a:p>
+            <a:r>
+              <a:rPr lang="en-US" altLang="zh-CN" dirty="0"/>
+              <a:t>XHR is optimized for “transactional” request-response communication: the </a:t>
+            </a:r>
+            <a:r>
+              <a:rPr lang="en-US" altLang="zh-CN" dirty="0" smtClean="0"/>
+              <a:t>client sends </a:t>
+            </a:r>
+            <a:r>
+              <a:rPr lang="en-US" altLang="zh-CN" dirty="0"/>
+              <a:t>the full, well-formed HTTP request to the server, and the server </a:t>
+            </a:r>
+            <a:r>
+              <a:rPr lang="en-US" altLang="zh-CN" dirty="0" smtClean="0"/>
+              <a:t>responds with </a:t>
+            </a:r>
+            <a:r>
+              <a:rPr lang="en-US" altLang="zh-CN" dirty="0"/>
+              <a:t>a full response. There is no support for request streaming, and until the </a:t>
+            </a:r>
+            <a:r>
+              <a:rPr lang="en-US" altLang="zh-CN" dirty="0" smtClean="0"/>
+              <a:t>Streams</a:t>
+            </a:r>
+            <a:r>
+              <a:rPr lang="en-US" altLang="zh-CN" dirty="0"/>
+              <a:t> </a:t>
+            </a:r>
+            <a:r>
+              <a:rPr lang="en-US" altLang="zh-CN" dirty="0" smtClean="0"/>
+              <a:t>API </a:t>
+            </a:r>
+            <a:r>
+              <a:rPr lang="en-US" altLang="zh-CN" dirty="0"/>
+              <a:t>is available, no reliable cross-browser </a:t>
+            </a:r>
+            <a:r>
+              <a:rPr lang="en-US" altLang="zh-CN" dirty="0" smtClean="0"/>
+              <a:t>response </a:t>
+            </a:r>
+            <a:r>
+              <a:rPr lang="en-US" altLang="zh-CN" dirty="0"/>
+              <a:t>streaming </a:t>
+            </a:r>
+            <a:r>
+              <a:rPr lang="en-US" altLang="zh-CN" dirty="0" smtClean="0"/>
+              <a:t>API</a:t>
+            </a:r>
+          </a:p>
+          <a:p>
+            <a:r>
+              <a:rPr lang="en-US" altLang="zh-CN" dirty="0"/>
+              <a:t>SSE enables efficient, low-latency server-to-client streaming of text-based data: </a:t>
+            </a:r>
+            <a:r>
+              <a:rPr lang="en-US" altLang="zh-CN" dirty="0" smtClean="0"/>
+              <a:t>the client </a:t>
+            </a:r>
+            <a:r>
+              <a:rPr lang="en-US" altLang="zh-CN" dirty="0"/>
+              <a:t>initiates the SSE connection, and the server uses the event source protocol </a:t>
+            </a:r>
+            <a:r>
+              <a:rPr lang="en-US" altLang="zh-CN" dirty="0" smtClean="0"/>
+              <a:t>to stream </a:t>
+            </a:r>
+            <a:r>
+              <a:rPr lang="en-US" altLang="zh-CN" dirty="0"/>
+              <a:t>updates to the client. The client can’t send any data to the server after </a:t>
+            </a:r>
+            <a:r>
+              <a:rPr lang="en-US" altLang="zh-CN" dirty="0" smtClean="0"/>
+              <a:t>the initial </a:t>
+            </a:r>
+            <a:r>
+              <a:rPr lang="en-US" altLang="zh-CN" dirty="0"/>
+              <a:t>handshake.</a:t>
+            </a:r>
+            <a:endParaRPr lang="zh-CN" altLang="en-US" dirty="0"/>
+          </a:p>
+        </p:txBody>
+      </p:sp>
+    </p:spTree>
+    <p:extLst>
+      <p:ext uri="{BB962C8B-B14F-4D97-AF65-F5344CB8AC3E}">
+        <p14:creationId xmlns:p14="http://schemas.microsoft.com/office/powerpoint/2010/main" val="205798201"/>
+      </p:ext>
+    </p:extLst>
+  </p:cSld>
+  <p:clrMapOvr>
+    <a:masterClrMapping/>
+  </p:clrMapOvr>
+</p:sld>
+</file>
+
+<file path=ppt/slides/slide12.xml><?xml version="1.0" encoding="utf-8"?>
+<p:sld xmlns:a="http://schemas.openxmlformats.org/drawingml/2006/main" xmlns:r="http://schemas.openxmlformats.org/officeDocument/2006/relationships" xmlns:p="http://schemas.openxmlformats.org/presentationml/2006/main">
+  <p:cSld>
+    <p:spTree>
+      <p:nvGrpSpPr>
+        <p:cNvPr id="1" name=""/>
+        <p:cNvGrpSpPr/>
+        <p:nvPr/>
+      </p:nvGrpSpPr>
+      <p:grpSpPr>
+        <a:xfrm>
+          <a:off x="0" y="0"/>
+          <a:ext cx="0" cy="0"/>
+          <a:chOff x="0" y="0"/>
+          <a:chExt cx="0" cy="0"/>
+        </a:xfrm>
+      </p:grpSpPr>
+      <p:sp>
+        <p:nvSpPr>
+          <p:cNvPr id="2" name="标题 1"/>
+          <p:cNvSpPr>
+            <a:spLocks noGrp="1"/>
+          </p:cNvSpPr>
+          <p:nvPr>
+            <p:ph type="title"/>
+          </p:nvPr>
+        </p:nvSpPr>
+        <p:spPr/>
+        <p:txBody>
+          <a:bodyPr/>
+          <a:lstStyle/>
+          <a:p>
+            <a:r>
+              <a:rPr lang="en-US" altLang="zh-CN" dirty="0"/>
+              <a:t>negative</a:t>
+            </a:r>
+            <a:endParaRPr lang="zh-CN" altLang="en-US" dirty="0"/>
+          </a:p>
+        </p:txBody>
+      </p:sp>
+      <p:sp>
+        <p:nvSpPr>
+          <p:cNvPr id="3" name="内容占位符 2"/>
+          <p:cNvSpPr>
+            <a:spLocks noGrp="1"/>
+          </p:cNvSpPr>
+          <p:nvPr>
+            <p:ph idx="1"/>
+          </p:nvPr>
+        </p:nvSpPr>
+        <p:spPr/>
+        <p:txBody>
+          <a:bodyPr/>
+          <a:lstStyle/>
+          <a:p>
+            <a:r>
+              <a:rPr lang="zh-CN" altLang="en-US" dirty="0" smtClean="0"/>
+              <a:t>无法利用</a:t>
+            </a:r>
+            <a:r>
+              <a:rPr lang="en-US" altLang="zh-CN" dirty="0" smtClean="0"/>
+              <a:t>CDN</a:t>
+            </a:r>
+            <a:r>
+              <a:rPr lang="zh-CN" altLang="en-US" dirty="0" smtClean="0"/>
+              <a:t>等网络缓存</a:t>
+            </a:r>
+            <a:endParaRPr lang="en-US" altLang="zh-CN" dirty="0" smtClean="0"/>
+          </a:p>
+          <a:p>
+            <a:r>
+              <a:rPr lang="en-US" altLang="zh-CN" dirty="0" smtClean="0"/>
+              <a:t>Internet </a:t>
+            </a:r>
+            <a:r>
+              <a:rPr lang="zh-CN" altLang="en-US" dirty="0" smtClean="0"/>
+              <a:t>限制</a:t>
+            </a:r>
+            <a:endParaRPr lang="en-US" altLang="zh-CN" dirty="0" smtClean="0"/>
+          </a:p>
+          <a:p>
+            <a:r>
+              <a:rPr lang="zh-CN" altLang="en-US" dirty="0" smtClean="0"/>
+              <a:t>连接限制</a:t>
+            </a:r>
+            <a:endParaRPr lang="zh-CN" altLang="en-US" dirty="0"/>
+          </a:p>
+        </p:txBody>
+      </p:sp>
+    </p:spTree>
+    <p:extLst>
+      <p:ext uri="{BB962C8B-B14F-4D97-AF65-F5344CB8AC3E}">
+        <p14:creationId xmlns:p14="http://schemas.microsoft.com/office/powerpoint/2010/main" val="2490975457"/>
+      </p:ext>
+    </p:extLst>
+  </p:cSld>
+  <p:clrMapOvr>
+    <a:masterClrMapping/>
+  </p:clrMapOvr>
+</p:sld>
+</file>
+
+<file path=ppt/slides/slide13.xml><?xml version="1.0" encoding="utf-8"?>
+<p:sld xmlns:a="http://schemas.openxmlformats.org/drawingml/2006/main" xmlns:r="http://schemas.openxmlformats.org/officeDocument/2006/relationships" xmlns:p="http://schemas.openxmlformats.org/presentationml/2006/main">
+  <p:cSld>
+    <p:spTree>
+      <p:nvGrpSpPr>
+        <p:cNvPr id="1" name=""/>
+        <p:cNvGrpSpPr/>
+        <p:nvPr/>
+      </p:nvGrpSpPr>
+      <p:grpSpPr>
+        <a:xfrm>
+          <a:off x="0" y="0"/>
+          <a:ext cx="0" cy="0"/>
+          <a:chOff x="0" y="0"/>
+          <a:chExt cx="0" cy="0"/>
+        </a:xfrm>
+      </p:grpSpPr>
+      <p:sp>
+        <p:nvSpPr>
+          <p:cNvPr id="2" name="标题 1"/>
+          <p:cNvSpPr>
+            <a:spLocks noGrp="1"/>
+          </p:cNvSpPr>
+          <p:nvPr>
+            <p:ph type="title"/>
+          </p:nvPr>
+        </p:nvSpPr>
         <p:spPr>
           <a:xfrm>
             <a:off x="838200" y="365125"/>
@@ -3278,7 +3530,7 @@
 </p:sld>
 </file>
 
-<file path=ppt/slides/slide12.xml><?xml version="1.0" encoding="utf-8"?>
+<file path=ppt/slides/slide14.xml><?xml version="1.0" encoding="utf-8"?>
 <p:sld xmlns:a="http://schemas.openxmlformats.org/drawingml/2006/main" xmlns:r="http://schemas.openxmlformats.org/officeDocument/2006/relationships" xmlns:p="http://schemas.openxmlformats.org/presentationml/2006/main">
   <p:cSld>
     <p:spTree>
@@ -3373,7 +3625,7 @@
 </p:sld>
 </file>
 
-<file path=ppt/slides/slide13.xml><?xml version="1.0" encoding="utf-8"?>
+<file path=ppt/slides/slide15.xml><?xml version="1.0" encoding="utf-8"?>
 <p:sld xmlns:a="http://schemas.openxmlformats.org/drawingml/2006/main" xmlns:r="http://schemas.openxmlformats.org/officeDocument/2006/relationships" xmlns:p="http://schemas.openxmlformats.org/presentationml/2006/main">
   <p:cSld>
     <p:spTree>
@@ -4167,6 +4419,10 @@
           <a:bodyPr/>
           <a:lstStyle/>
           <a:p>
+            <a:r>
+              <a:rPr lang="en-US" altLang="zh-CN" dirty="0" err="1"/>
+              <a:t>EventSource</a:t>
+            </a:r>
             <a:endParaRPr lang="zh-CN" altLang="en-US" dirty="0"/>
           </a:p>
         </p:txBody>
